--- a/instructors/03_Being_FAIR_v2.0.pptx
+++ b/instructors/03_Being_FAIR_v2.0.pptx
@@ -296,7 +296,7 @@
             <a:fld id="{DE72BEAC-A25F-4480-8AFC-1D3E290F2CC8}" type="datetimeFigureOut">
               <a:rPr lang="en-GB" smtClean="0"/>
               <a:pPr/>
-              <a:t>14/01/2023</a:t>
+              <a:t>28/03/2023</a:t>
             </a:fld>
             <a:endParaRPr lang="en-GB"/>
           </a:p>
@@ -560,7 +560,7 @@
           <a:p>
             <a:fld id="{DE72BEAC-A25F-4480-8AFC-1D3E290F2CC8}" type="datetimeFigureOut">
               <a:rPr lang="en-GB" smtClean="0"/>
-              <a:t>14/01/2023</a:t>
+              <a:t>28/03/2023</a:t>
             </a:fld>
             <a:endParaRPr lang="en-GB"/>
           </a:p>
@@ -770,7 +770,7 @@
           <a:p>
             <a:fld id="{DE72BEAC-A25F-4480-8AFC-1D3E290F2CC8}" type="datetimeFigureOut">
               <a:rPr lang="en-GB" smtClean="0"/>
-              <a:t>14/01/2023</a:t>
+              <a:t>28/03/2023</a:t>
             </a:fld>
             <a:endParaRPr lang="en-GB"/>
           </a:p>
@@ -970,7 +970,7 @@
           <a:p>
             <a:fld id="{DE72BEAC-A25F-4480-8AFC-1D3E290F2CC8}" type="datetimeFigureOut">
               <a:rPr lang="en-GB" smtClean="0"/>
-              <a:t>14/01/2023</a:t>
+              <a:t>28/03/2023</a:t>
             </a:fld>
             <a:endParaRPr lang="en-GB"/>
           </a:p>
@@ -1246,7 +1246,7 @@
           <a:p>
             <a:fld id="{DE72BEAC-A25F-4480-8AFC-1D3E290F2CC8}" type="datetimeFigureOut">
               <a:rPr lang="en-GB" smtClean="0"/>
-              <a:t>14/01/2023</a:t>
+              <a:t>28/03/2023</a:t>
             </a:fld>
             <a:endParaRPr lang="en-GB"/>
           </a:p>
@@ -1514,7 +1514,7 @@
           <a:p>
             <a:fld id="{DE72BEAC-A25F-4480-8AFC-1D3E290F2CC8}" type="datetimeFigureOut">
               <a:rPr lang="en-GB" smtClean="0"/>
-              <a:t>14/01/2023</a:t>
+              <a:t>28/03/2023</a:t>
             </a:fld>
             <a:endParaRPr lang="en-GB"/>
           </a:p>
@@ -1929,7 +1929,7 @@
           <a:p>
             <a:fld id="{DE72BEAC-A25F-4480-8AFC-1D3E290F2CC8}" type="datetimeFigureOut">
               <a:rPr lang="en-GB" smtClean="0"/>
-              <a:t>14/01/2023</a:t>
+              <a:t>28/03/2023</a:t>
             </a:fld>
             <a:endParaRPr lang="en-GB"/>
           </a:p>
@@ -2071,7 +2071,7 @@
           <a:p>
             <a:fld id="{DE72BEAC-A25F-4480-8AFC-1D3E290F2CC8}" type="datetimeFigureOut">
               <a:rPr lang="en-GB" smtClean="0"/>
-              <a:t>14/01/2023</a:t>
+              <a:t>28/03/2023</a:t>
             </a:fld>
             <a:endParaRPr lang="en-GB"/>
           </a:p>
@@ -2184,7 +2184,7 @@
           <a:p>
             <a:fld id="{DE72BEAC-A25F-4480-8AFC-1D3E290F2CC8}" type="datetimeFigureOut">
               <a:rPr lang="en-GB" smtClean="0"/>
-              <a:t>14/01/2023</a:t>
+              <a:t>28/03/2023</a:t>
             </a:fld>
             <a:endParaRPr lang="en-GB"/>
           </a:p>
@@ -2497,7 +2497,7 @@
           <a:p>
             <a:fld id="{DE72BEAC-A25F-4480-8AFC-1D3E290F2CC8}" type="datetimeFigureOut">
               <a:rPr lang="en-GB" smtClean="0"/>
-              <a:t>14/01/2023</a:t>
+              <a:t>28/03/2023</a:t>
             </a:fld>
             <a:endParaRPr lang="en-GB"/>
           </a:p>
@@ -2786,7 +2786,7 @@
           <a:p>
             <a:fld id="{DE72BEAC-A25F-4480-8AFC-1D3E290F2CC8}" type="datetimeFigureOut">
               <a:rPr lang="en-GB" smtClean="0"/>
-              <a:t>14/01/2023</a:t>
+              <a:t>28/03/2023</a:t>
             </a:fld>
             <a:endParaRPr lang="en-GB"/>
           </a:p>
@@ -3028,7 +3028,7 @@
             <a:fld id="{DE72BEAC-A25F-4480-8AFC-1D3E290F2CC8}" type="datetimeFigureOut">
               <a:rPr lang="en-GB" smtClean="0"/>
               <a:pPr/>
-              <a:t>14/01/2023</a:t>
+              <a:t>28/03/2023</a:t>
             </a:fld>
             <a:endParaRPr lang="en-GB"/>
           </a:p>
@@ -3519,46 +3519,6 @@
       </p:sp>
       <p:sp>
         <p:nvSpPr>
-          <p:cNvPr id="4" name="TextBox 3">
-            <a:extLst>
-              <a:ext uri="{FF2B5EF4-FFF2-40B4-BE49-F238E27FC236}">
-                <a16:creationId xmlns:a16="http://schemas.microsoft.com/office/drawing/2014/main" id="{380A62AA-3530-E047-8394-7F422EB963F5}"/>
-              </a:ext>
-            </a:extLst>
-          </p:cNvPr>
-          <p:cNvSpPr txBox="1"/>
-          <p:nvPr/>
-        </p:nvSpPr>
-        <p:spPr>
-          <a:xfrm>
-            <a:off x="1470868" y="5070039"/>
-            <a:ext cx="6987331" cy="369332"/>
-          </a:xfrm>
-          <a:prstGeom prst="rect">
-            <a:avLst/>
-          </a:prstGeom>
-          <a:noFill/>
-        </p:spPr>
-        <p:txBody>
-          <a:bodyPr wrap="square">
-            <a:spAutoFit/>
-          </a:bodyPr>
-          <a:lstStyle/>
-          <a:p>
-            <a:r>
-              <a:rPr lang="en-GB" dirty="0"/>
-              <a:t>Open https://pad.carpentries.org/2021-10-19_ed-dash_fair-bio-practice</a:t>
-            </a:r>
-            <a:endParaRPr lang="en-GB" dirty="0">
-              <a:highlight>
-                <a:srgbClr val="FFFF00"/>
-              </a:highlight>
-            </a:endParaRPr>
-          </a:p>
-        </p:txBody>
-      </p:sp>
-      <p:sp>
-        <p:nvSpPr>
           <p:cNvPr id="5" name="Arrow: Down 7">
             <a:extLst>
               <a:ext uri="{FF2B5EF4-FFF2-40B4-BE49-F238E27FC236}">
@@ -3756,7 +3716,7 @@
                 <a:hlinkClick r:id="rId2">
                   <a:extLst>
                     <a:ext uri="{A12FA001-AC4F-418D-AE19-62706E023703}">
-                      <ahyp:hlinkClr xmlns:ahyp="http://schemas.microsoft.com/office/drawing/2018/hyperlinkcolor" xmlns="" val="tx"/>
+                      <ahyp:hlinkClr xmlns="" xmlns:ahyp="http://schemas.microsoft.com/office/drawing/2018/hyperlinkcolor" val="tx"/>
                     </a:ext>
                   </a:extLst>
                 </a:hlinkClick>
@@ -3779,7 +3739,7 @@
                 <a:hlinkClick r:id="rId3">
                   <a:extLst>
                     <a:ext uri="{A12FA001-AC4F-418D-AE19-62706E023703}">
-                      <ahyp:hlinkClr xmlns:ahyp="http://schemas.microsoft.com/office/drawing/2018/hyperlinkcolor" xmlns="" val="tx"/>
+                      <ahyp:hlinkClr xmlns="" xmlns:ahyp="http://schemas.microsoft.com/office/drawing/2018/hyperlinkcolor" val="tx"/>
                     </a:ext>
                   </a:extLst>
                 </a:hlinkClick>
@@ -3802,7 +3762,7 @@
                 <a:hlinkClick r:id="rId4">
                   <a:extLst>
                     <a:ext uri="{A12FA001-AC4F-418D-AE19-62706E023703}">
-                      <ahyp:hlinkClr xmlns:ahyp="http://schemas.microsoft.com/office/drawing/2018/hyperlinkcolor" xmlns="" val="tx"/>
+                      <ahyp:hlinkClr xmlns="" xmlns:ahyp="http://schemas.microsoft.com/office/drawing/2018/hyperlinkcolor" val="tx"/>
                     </a:ext>
                   </a:extLst>
                 </a:hlinkClick>
@@ -3825,7 +3785,7 @@
                 <a:hlinkClick r:id="rId5">
                   <a:extLst>
                     <a:ext uri="{A12FA001-AC4F-418D-AE19-62706E023703}">
-                      <ahyp:hlinkClr xmlns:ahyp="http://schemas.microsoft.com/office/drawing/2018/hyperlinkcolor" xmlns="" val="tx"/>
+                      <ahyp:hlinkClr xmlns="" xmlns:ahyp="http://schemas.microsoft.com/office/drawing/2018/hyperlinkcolor" val="tx"/>
                     </a:ext>
                   </a:extLst>
                 </a:hlinkClick>
@@ -3867,7 +3827,7 @@
                 <a:hlinkClick r:id="rId6">
                   <a:extLst>
                     <a:ext uri="{A12FA001-AC4F-418D-AE19-62706E023703}">
-                      <ahyp:hlinkClr xmlns:ahyp="http://schemas.microsoft.com/office/drawing/2018/hyperlinkcolor" xmlns="" val="tx"/>
+                      <ahyp:hlinkClr xmlns="" xmlns:ahyp="http://schemas.microsoft.com/office/drawing/2018/hyperlinkcolor" val="tx"/>
                     </a:ext>
                   </a:extLst>
                 </a:hlinkClick>
@@ -3890,7 +3850,7 @@
                 <a:hlinkClick r:id="rId7">
                   <a:extLst>
                     <a:ext uri="{A12FA001-AC4F-418D-AE19-62706E023703}">
-                      <ahyp:hlinkClr xmlns:ahyp="http://schemas.microsoft.com/office/drawing/2018/hyperlinkcolor" xmlns="" val="tx"/>
+                      <ahyp:hlinkClr xmlns="" xmlns:ahyp="http://schemas.microsoft.com/office/drawing/2018/hyperlinkcolor" val="tx"/>
                     </a:ext>
                   </a:extLst>
                 </a:hlinkClick>
@@ -3913,7 +3873,7 @@
                 <a:hlinkClick r:id="rId8">
                   <a:extLst>
                     <a:ext uri="{A12FA001-AC4F-418D-AE19-62706E023703}">
-                      <ahyp:hlinkClr xmlns:ahyp="http://schemas.microsoft.com/office/drawing/2018/hyperlinkcolor" xmlns="" val="tx"/>
+                      <ahyp:hlinkClr xmlns="" xmlns:ahyp="http://schemas.microsoft.com/office/drawing/2018/hyperlinkcolor" val="tx"/>
                     </a:ext>
                   </a:extLst>
                 </a:hlinkClick>
@@ -4600,7 +4560,7 @@
                 <a14:useLocalDpi xmlns:a14="http://schemas.microsoft.com/office/drawing/2010/main" val="0"/>
               </a:ext>
               <a:ext uri="{96DAC541-7B7A-43D3-8B79-37D633B846F1}">
-                <asvg:svgBlip xmlns:asvg="http://schemas.microsoft.com/office/drawing/2016/SVG/main" xmlns="" r:embed="rId3"/>
+                <asvg:svgBlip xmlns="" xmlns:asvg="http://schemas.microsoft.com/office/drawing/2016/SVG/main" r:embed="rId3"/>
               </a:ext>
             </a:extLst>
           </a:blip>
@@ -4812,7 +4772,7 @@
                 <a14:useLocalDpi xmlns:a14="http://schemas.microsoft.com/office/drawing/2010/main" val="0"/>
               </a:ext>
               <a:ext uri="{96DAC541-7B7A-43D3-8B79-37D633B846F1}">
-                <asvg:svgBlip xmlns:asvg="http://schemas.microsoft.com/office/drawing/2016/SVG/main" xmlns="" r:embed="rId7"/>
+                <asvg:svgBlip xmlns="" xmlns:asvg="http://schemas.microsoft.com/office/drawing/2016/SVG/main" r:embed="rId7"/>
               </a:ext>
             </a:extLst>
           </a:blip>
@@ -5466,7 +5426,7 @@
                 <a16:creationId xmlns:a16="http://schemas.microsoft.com/office/drawing/2014/main" id="{91F32EBA-ED97-466E-8CFA-8382584155D0}"/>
               </a:ext>
               <a:ext uri="{C183D7F6-B498-43B3-948B-1728B52AA6E4}">
-                <adec:decorative xmlns:adec="http://schemas.microsoft.com/office/drawing/2017/decorative" xmlns="" val="1"/>
+                <adec:decorative xmlns="" xmlns:adec="http://schemas.microsoft.com/office/drawing/2017/decorative" val="1"/>
               </a:ext>
             </a:extLst>
           </p:cNvPr>
@@ -5599,7 +5559,7 @@
                 <a16:creationId xmlns:a16="http://schemas.microsoft.com/office/drawing/2014/main" id="{62A38935-BB53-4DF7-A56E-48DD25B685D7}"/>
               </a:ext>
               <a:ext uri="{C183D7F6-B498-43B3-948B-1728B52AA6E4}">
-                <adec:decorative xmlns:adec="http://schemas.microsoft.com/office/drawing/2017/decorative" xmlns="" val="1"/>
+                <adec:decorative xmlns="" xmlns:adec="http://schemas.microsoft.com/office/drawing/2017/decorative" val="1"/>
               </a:ext>
             </a:extLst>
           </p:cNvPr>
@@ -6386,7 +6346,7 @@
                 <a14:useLocalDpi xmlns:a14="http://schemas.microsoft.com/office/drawing/2010/main" val="0"/>
               </a:ext>
               <a:ext uri="{96DAC541-7B7A-43D3-8B79-37D633B846F1}">
-                <asvg:svgBlip xmlns:asvg="http://schemas.microsoft.com/office/drawing/2016/SVG/main" xmlns="" r:embed="rId3"/>
+                <asvg:svgBlip xmlns="" xmlns:asvg="http://schemas.microsoft.com/office/drawing/2016/SVG/main" r:embed="rId3"/>
               </a:ext>
             </a:extLst>
           </a:blip>
@@ -6452,7 +6412,7 @@
                 <a16:creationId xmlns:a16="http://schemas.microsoft.com/office/drawing/2014/main" id="{C4E4288A-DFC8-40A2-90E5-70E851A933AD}"/>
               </a:ext>
               <a:ext uri="{C183D7F6-B498-43B3-948B-1728B52AA6E4}">
-                <adec:decorative xmlns:adec="http://schemas.microsoft.com/office/drawing/2017/decorative" xmlns="" val="1"/>
+                <adec:decorative xmlns="" xmlns:adec="http://schemas.microsoft.com/office/drawing/2017/decorative" val="1"/>
               </a:ext>
             </a:extLst>
           </p:cNvPr>
@@ -6547,7 +6507,7 @@
                 <a16:creationId xmlns:a16="http://schemas.microsoft.com/office/drawing/2014/main" id="{A94A2FC9-6D19-473C-B868-99FDB2044AA9}"/>
               </a:ext>
               <a:ext uri="{C183D7F6-B498-43B3-948B-1728B52AA6E4}">
-                <adec:decorative xmlns:adec="http://schemas.microsoft.com/office/drawing/2017/decorative" xmlns="" val="1"/>
+                <adec:decorative xmlns="" xmlns:adec="http://schemas.microsoft.com/office/drawing/2017/decorative" val="1"/>
               </a:ext>
             </a:extLst>
           </p:cNvPr>
@@ -6766,7 +6726,7 @@
                 <a14:useLocalDpi xmlns:a14="http://schemas.microsoft.com/office/drawing/2010/main" val="0"/>
               </a:ext>
               <a:ext uri="{96DAC541-7B7A-43D3-8B79-37D633B846F1}">
-                <asvg:svgBlip xmlns:asvg="http://schemas.microsoft.com/office/drawing/2016/SVG/main" xmlns="" r:embed="rId3"/>
+                <asvg:svgBlip xmlns="" xmlns:asvg="http://schemas.microsoft.com/office/drawing/2016/SVG/main" r:embed="rId3"/>
               </a:ext>
             </a:extLst>
           </a:blip>
@@ -6902,7 +6862,7 @@
                 <a16:creationId xmlns:a16="http://schemas.microsoft.com/office/drawing/2014/main" id="{8BED0409-854E-49C4-876E-A78C6D881BC8}"/>
               </a:ext>
               <a:ext uri="{C183D7F6-B498-43B3-948B-1728B52AA6E4}">
-                <adec:decorative xmlns:adec="http://schemas.microsoft.com/office/drawing/2017/decorative" xmlns="" val="1"/>
+                <adec:decorative xmlns="" xmlns:adec="http://schemas.microsoft.com/office/drawing/2017/decorative" val="1"/>
               </a:ext>
             </a:extLst>
           </p:cNvPr>
@@ -7547,7 +7507,7 @@
                 <a16:creationId xmlns:a16="http://schemas.microsoft.com/office/drawing/2014/main" id="{D4340B2E-01FD-4F5D-9C4D-AD3923AD20BA}"/>
               </a:ext>
               <a:ext uri="{C183D7F6-B498-43B3-948B-1728B52AA6E4}">
-                <adec:decorative xmlns:adec="http://schemas.microsoft.com/office/drawing/2017/decorative" xmlns="" val="1"/>
+                <adec:decorative xmlns="" xmlns:adec="http://schemas.microsoft.com/office/drawing/2017/decorative" val="1"/>
               </a:ext>
             </a:extLst>
           </p:cNvPr>
@@ -7766,7 +7726,7 @@
                 <a14:useLocalDpi xmlns:a14="http://schemas.microsoft.com/office/drawing/2010/main" val="0"/>
               </a:ext>
               <a:ext uri="{96DAC541-7B7A-43D3-8B79-37D633B846F1}">
-                <asvg:svgBlip xmlns:asvg="http://schemas.microsoft.com/office/drawing/2016/SVG/main" xmlns="" r:embed="rId5"/>
+                <asvg:svgBlip xmlns="" xmlns:asvg="http://schemas.microsoft.com/office/drawing/2016/SVG/main" r:embed="rId5"/>
               </a:ext>
             </a:extLst>
           </a:blip>
@@ -7805,7 +7765,7 @@
                 <a14:useLocalDpi xmlns:a14="http://schemas.microsoft.com/office/drawing/2010/main" val="0"/>
               </a:ext>
               <a:ext uri="{96DAC541-7B7A-43D3-8B79-37D633B846F1}">
-                <asvg:svgBlip xmlns:asvg="http://schemas.microsoft.com/office/drawing/2016/SVG/main" xmlns="" r:embed="rId7"/>
+                <asvg:svgBlip xmlns="" xmlns:asvg="http://schemas.microsoft.com/office/drawing/2016/SVG/main" r:embed="rId7"/>
               </a:ext>
             </a:extLst>
           </a:blip>
